--- a/content/designs/device_bootstrap/atlas-bootstrap.pptx
+++ b/content/designs/device_bootstrap/atlas-bootstrap.pptx
@@ -310,6 +310,11 @@
       </a:defRPr>
     </a:lvl9pPr>
   </p:defaultTextStyle>
+  <p:extLst>
+    <p:ext uri="{EFAFB233-063F-42B5-8137-9DF3F51BA10A}">
+      <p15:sldGuideLst xmlns:p15="http://schemas.microsoft.com/office/powerpoint/2012/main"/>
+    </p:ext>
+  </p:extLst>
 </p:presentation>
 </file>
 
@@ -933,6 +938,11 @@
         </p:txBody>
       </p:sp>
     </p:spTree>
+    <p:extLst>
+      <p:ext uri="{BB962C8B-B14F-4D97-AF65-F5344CB8AC3E}">
+        <p14:creationId xmlns:p14="http://schemas.microsoft.com/office/powerpoint/2010/main" val="3407671456"/>
+      </p:ext>
+    </p:extLst>
   </p:cSld>
   <p:clrMapOvr>
     <a:masterClrMapping/>
@@ -2123,7 +2133,7 @@
           </a:ln>
           <a:extLst>
             <a:ext uri="{C572A759-6A51-4108-AA02-DFA0A04FC94B}">
-              <ma14:wrappingTextBoxFlag xmlns:ma14="http://schemas.microsoft.com/office/mac/drawingml/2011/main" val="1"/>
+              <ma14:wrappingTextBoxFlag xmlns:ma14="http://schemas.microsoft.com/office/mac/drawingml/2011/main" xmlns="" val="1"/>
             </a:ext>
           </a:extLst>
         </p:spPr>
@@ -2162,7 +2172,7 @@
           </a:ln>
           <a:extLst>
             <a:ext uri="{C572A759-6A51-4108-AA02-DFA0A04FC94B}">
-              <ma14:wrappingTextBoxFlag xmlns:ma14="http://schemas.microsoft.com/office/mac/drawingml/2011/main" val="1"/>
+              <ma14:wrappingTextBoxFlag xmlns:ma14="http://schemas.microsoft.com/office/mac/drawingml/2011/main" xmlns="" val="1"/>
             </a:ext>
           </a:extLst>
         </p:spPr>
@@ -3098,18 +3108,24 @@
             <a:prstGeom prst="ellipse">
               <a:avLst/>
             </a:prstGeom>
-            <a:solidFill>
-              <a:srgbClr val="E77D3A"/>
-            </a:solidFill>
-            <a:ln w="12700" cap="flat">
-              <a:solidFill>
-                <a:srgbClr val="C3682E"/>
-              </a:solidFill>
-              <a:prstDash val="solid"/>
-              <a:miter lim="400000"/>
-            </a:ln>
-            <a:effectLst/>
+            <a:ln/>
           </p:spPr>
+          <p:style>
+            <a:lnRef idx="2">
+              <a:schemeClr val="accent1">
+                <a:shade val="50000"/>
+              </a:schemeClr>
+            </a:lnRef>
+            <a:fillRef idx="1">
+              <a:schemeClr val="accent1"/>
+            </a:fillRef>
+            <a:effectRef idx="0">
+              <a:schemeClr val="accent1"/>
+            </a:effectRef>
+            <a:fontRef idx="minor">
+              <a:schemeClr val="lt1"/>
+            </a:fontRef>
+          </p:style>
           <p:txBody>
             <a:bodyPr wrap="square" lIns="50800" tIns="50800" rIns="50800" bIns="50800" numCol="1" anchor="ctr">
               <a:noAutofit/>
@@ -3153,7 +3169,7 @@
             <a:effectLst/>
             <a:extLst>
               <a:ext uri="{C572A759-6A51-4108-AA02-DFA0A04FC94B}">
-                <ma14:wrappingTextBoxFlag xmlns:ma14="http://schemas.microsoft.com/office/mac/drawingml/2011/main" val="1"/>
+                <ma14:wrappingTextBoxFlag xmlns:ma14="http://schemas.microsoft.com/office/mac/drawingml/2011/main" xmlns="" val="1"/>
               </a:ext>
             </a:extLst>
           </p:spPr>
@@ -3255,35 +3271,6 @@
           </a:p>
         </p:txBody>
       </p:sp>
-      <p:pic>
-        <p:nvPicPr>
-          <p:cNvPr id="307" name="Internet-Of-Things_AWSIoT_topic.pdf"/>
-          <p:cNvPicPr>
-            <a:picLocks noChangeAspect="1"/>
-          </p:cNvPicPr>
-          <p:nvPr/>
-        </p:nvPicPr>
-        <p:blipFill>
-          <a:blip r:embed="rId2">
-            <a:extLst/>
-          </a:blip>
-          <a:stretch>
-            <a:fillRect/>
-          </a:stretch>
-        </p:blipFill>
-        <p:spPr>
-          <a:xfrm>
-            <a:off x="5437520" y="591363"/>
-            <a:ext cx="1544396" cy="1544396"/>
-          </a:xfrm>
-          <a:prstGeom prst="rect">
-            <a:avLst/>
-          </a:prstGeom>
-          <a:ln w="12700">
-            <a:miter lim="400000"/>
-          </a:ln>
-        </p:spPr>
-      </p:pic>
       <p:sp>
         <p:nvSpPr>
           <p:cNvPr id="308" name="Shape 308"/>
@@ -3303,7 +3290,7 @@
           </a:ln>
           <a:extLst>
             <a:ext uri="{C572A759-6A51-4108-AA02-DFA0A04FC94B}">
-              <ma14:wrappingTextBoxFlag xmlns:ma14="http://schemas.microsoft.com/office/mac/drawingml/2011/main" val="1"/>
+              <ma14:wrappingTextBoxFlag xmlns:ma14="http://schemas.microsoft.com/office/mac/drawingml/2011/main" xmlns="" val="1"/>
             </a:ext>
           </a:extLst>
         </p:spPr>
@@ -3344,7 +3331,10 @@
             <a:avLst/>
           </a:prstGeom>
           <a:solidFill>
-            <a:srgbClr val="3569A3"/>
+            <a:schemeClr val="tx1">
+              <a:lumMod val="75000"/>
+              <a:lumOff val="25000"/>
+            </a:schemeClr>
           </a:solidFill>
           <a:ln w="12700">
             <a:miter lim="400000"/>
@@ -3384,7 +3374,7 @@
           </a:ln>
           <a:extLst>
             <a:ext uri="{C572A759-6A51-4108-AA02-DFA0A04FC94B}">
-              <ma14:wrappingTextBoxFlag xmlns:ma14="http://schemas.microsoft.com/office/mac/drawingml/2011/main" val="1"/>
+              <ma14:wrappingTextBoxFlag xmlns:ma14="http://schemas.microsoft.com/office/mac/drawingml/2011/main" xmlns="" val="1"/>
             </a:ext>
           </a:extLst>
         </p:spPr>
@@ -3438,7 +3428,7 @@
           </a:ln>
           <a:extLst>
             <a:ext uri="{C572A759-6A51-4108-AA02-DFA0A04FC94B}">
-              <ma14:wrappingTextBoxFlag xmlns:ma14="http://schemas.microsoft.com/office/mac/drawingml/2011/main" val="1"/>
+              <ma14:wrappingTextBoxFlag xmlns:ma14="http://schemas.microsoft.com/office/mac/drawingml/2011/main" xmlns="" val="1"/>
             </a:ext>
           </a:extLst>
         </p:spPr>
@@ -3456,8 +3446,10 @@
           </a:lstStyle>
           <a:p>
             <a:r>
-              <a:t>Message Broker</a:t>
+              <a:rPr lang="en-US" dirty="0"/>
+              <a:t>Server</a:t>
             </a:r>
+            <a:endParaRPr dirty="0"/>
           </a:p>
         </p:txBody>
       </p:sp>
@@ -3480,7 +3472,7 @@
           </a:ln>
           <a:extLst>
             <a:ext uri="{C572A759-6A51-4108-AA02-DFA0A04FC94B}">
-              <ma14:wrappingTextBoxFlag xmlns:ma14="http://schemas.microsoft.com/office/mac/drawingml/2011/main" val="1"/>
+              <ma14:wrappingTextBoxFlag xmlns:ma14="http://schemas.microsoft.com/office/mac/drawingml/2011/main" xmlns="" val="1"/>
             </a:ext>
           </a:extLst>
         </p:spPr>
@@ -3563,7 +3555,7 @@
           </a:ln>
           <a:extLst>
             <a:ext uri="{C572A759-6A51-4108-AA02-DFA0A04FC94B}">
-              <ma14:wrappingTextBoxFlag xmlns:ma14="http://schemas.microsoft.com/office/mac/drawingml/2011/main" val="1"/>
+              <ma14:wrappingTextBoxFlag xmlns:ma14="http://schemas.microsoft.com/office/mac/drawingml/2011/main" xmlns="" val="1"/>
             </a:ext>
           </a:extLst>
         </p:spPr>
@@ -3644,7 +3636,7 @@
           </a:ln>
           <a:extLst>
             <a:ext uri="{C572A759-6A51-4108-AA02-DFA0A04FC94B}">
-              <ma14:wrappingTextBoxFlag xmlns:ma14="http://schemas.microsoft.com/office/mac/drawingml/2011/main" val="1"/>
+              <ma14:wrappingTextBoxFlag xmlns:ma14="http://schemas.microsoft.com/office/mac/drawingml/2011/main" xmlns="" val="1"/>
             </a:ext>
           </a:extLst>
         </p:spPr>
@@ -3719,7 +3711,7 @@
           </a:ln>
           <a:extLst>
             <a:ext uri="{C572A759-6A51-4108-AA02-DFA0A04FC94B}">
-              <ma14:wrappingTextBoxFlag xmlns:ma14="http://schemas.microsoft.com/office/mac/drawingml/2011/main" val="1"/>
+              <ma14:wrappingTextBoxFlag xmlns:ma14="http://schemas.microsoft.com/office/mac/drawingml/2011/main" xmlns="" val="1"/>
             </a:ext>
           </a:extLst>
         </p:spPr>
@@ -3745,35 +3737,6 @@
           </a:p>
         </p:txBody>
       </p:sp>
-      <p:pic>
-        <p:nvPicPr>
-          <p:cNvPr id="319" name="Internet-Of-Things_AWSIoT_thinggeneric.pdf"/>
-          <p:cNvPicPr>
-            <a:picLocks noChangeAspect="1"/>
-          </p:cNvPicPr>
-          <p:nvPr/>
-        </p:nvPicPr>
-        <p:blipFill>
-          <a:blip r:embed="rId3">
-            <a:extLst/>
-          </a:blip>
-          <a:stretch>
-            <a:fillRect/>
-          </a:stretch>
-        </p:blipFill>
-        <p:spPr>
-          <a:xfrm>
-            <a:off x="561421" y="883198"/>
-            <a:ext cx="1544396" cy="1544396"/>
-          </a:xfrm>
-          <a:prstGeom prst="rect">
-            <a:avLst/>
-          </a:prstGeom>
-          <a:ln w="12700">
-            <a:miter lim="400000"/>
-          </a:ln>
-        </p:spPr>
-      </p:pic>
       <p:sp>
         <p:nvSpPr>
           <p:cNvPr id="320" name="Shape 320"/>
@@ -3835,18 +3798,24 @@
             <a:prstGeom prst="ellipse">
               <a:avLst/>
             </a:prstGeom>
-            <a:solidFill>
-              <a:srgbClr val="E77D3A"/>
-            </a:solidFill>
-            <a:ln w="12700" cap="flat">
-              <a:solidFill>
-                <a:srgbClr val="C3682E"/>
-              </a:solidFill>
-              <a:prstDash val="solid"/>
-              <a:miter lim="400000"/>
-            </a:ln>
-            <a:effectLst/>
+            <a:ln/>
           </p:spPr>
+          <p:style>
+            <a:lnRef idx="2">
+              <a:schemeClr val="accent1">
+                <a:shade val="50000"/>
+              </a:schemeClr>
+            </a:lnRef>
+            <a:fillRef idx="1">
+              <a:schemeClr val="accent1"/>
+            </a:fillRef>
+            <a:effectRef idx="0">
+              <a:schemeClr val="accent1"/>
+            </a:effectRef>
+            <a:fontRef idx="minor">
+              <a:schemeClr val="lt1"/>
+            </a:fontRef>
+          </p:style>
           <p:txBody>
             <a:bodyPr wrap="square" lIns="50800" tIns="50800" rIns="50800" bIns="50800" numCol="1" anchor="ctr">
               <a:noAutofit/>
@@ -3890,7 +3859,7 @@
             <a:effectLst/>
             <a:extLst>
               <a:ext uri="{C572A759-6A51-4108-AA02-DFA0A04FC94B}">
-                <ma14:wrappingTextBoxFlag xmlns:ma14="http://schemas.microsoft.com/office/mac/drawingml/2011/main" val="1"/>
+                <ma14:wrappingTextBoxFlag xmlns:ma14="http://schemas.microsoft.com/office/mac/drawingml/2011/main" xmlns="" val="1"/>
               </a:ext>
             </a:extLst>
           </p:spPr>
@@ -4013,18 +3982,24 @@
             <a:prstGeom prst="ellipse">
               <a:avLst/>
             </a:prstGeom>
-            <a:solidFill>
-              <a:srgbClr val="E77D3A"/>
-            </a:solidFill>
-            <a:ln w="12700" cap="flat">
-              <a:solidFill>
-                <a:srgbClr val="C3682E"/>
-              </a:solidFill>
-              <a:prstDash val="solid"/>
-              <a:miter lim="400000"/>
-            </a:ln>
-            <a:effectLst/>
+            <a:ln/>
           </p:spPr>
+          <p:style>
+            <a:lnRef idx="2">
+              <a:schemeClr val="accent1">
+                <a:shade val="50000"/>
+              </a:schemeClr>
+            </a:lnRef>
+            <a:fillRef idx="1">
+              <a:schemeClr val="accent1"/>
+            </a:fillRef>
+            <a:effectRef idx="0">
+              <a:schemeClr val="accent1"/>
+            </a:effectRef>
+            <a:fontRef idx="minor">
+              <a:schemeClr val="lt1"/>
+            </a:fontRef>
+          </p:style>
           <p:txBody>
             <a:bodyPr wrap="square" lIns="50800" tIns="50800" rIns="50800" bIns="50800" numCol="1" anchor="ctr">
               <a:noAutofit/>
@@ -4068,7 +4043,7 @@
             <a:effectLst/>
             <a:extLst>
               <a:ext uri="{C572A759-6A51-4108-AA02-DFA0A04FC94B}">
-                <ma14:wrappingTextBoxFlag xmlns:ma14="http://schemas.microsoft.com/office/mac/drawingml/2011/main" val="1"/>
+                <ma14:wrappingTextBoxFlag xmlns:ma14="http://schemas.microsoft.com/office/mac/drawingml/2011/main" xmlns="" val="1"/>
               </a:ext>
             </a:extLst>
           </p:spPr>
@@ -4125,18 +4100,24 @@
             <a:prstGeom prst="ellipse">
               <a:avLst/>
             </a:prstGeom>
-            <a:solidFill>
-              <a:srgbClr val="E77D3A"/>
-            </a:solidFill>
-            <a:ln w="12700" cap="flat">
-              <a:solidFill>
-                <a:srgbClr val="C3682E"/>
-              </a:solidFill>
-              <a:prstDash val="solid"/>
-              <a:miter lim="400000"/>
-            </a:ln>
-            <a:effectLst/>
+            <a:ln/>
           </p:spPr>
+          <p:style>
+            <a:lnRef idx="2">
+              <a:schemeClr val="accent1">
+                <a:shade val="50000"/>
+              </a:schemeClr>
+            </a:lnRef>
+            <a:fillRef idx="1">
+              <a:schemeClr val="accent1"/>
+            </a:fillRef>
+            <a:effectRef idx="0">
+              <a:schemeClr val="accent1"/>
+            </a:effectRef>
+            <a:fontRef idx="minor">
+              <a:schemeClr val="lt1"/>
+            </a:fontRef>
+          </p:style>
           <p:txBody>
             <a:bodyPr wrap="square" lIns="50800" tIns="50800" rIns="50800" bIns="50800" numCol="1" anchor="ctr">
               <a:noAutofit/>
@@ -4180,7 +4161,7 @@
             <a:effectLst/>
             <a:extLst>
               <a:ext uri="{C572A759-6A51-4108-AA02-DFA0A04FC94B}">
-                <ma14:wrappingTextBoxFlag xmlns:ma14="http://schemas.microsoft.com/office/mac/drawingml/2011/main" val="1"/>
+                <ma14:wrappingTextBoxFlag xmlns:ma14="http://schemas.microsoft.com/office/mac/drawingml/2011/main" xmlns="" val="1"/>
               </a:ext>
             </a:extLst>
           </p:spPr>
@@ -4237,18 +4218,24 @@
             <a:prstGeom prst="ellipse">
               <a:avLst/>
             </a:prstGeom>
-            <a:solidFill>
-              <a:srgbClr val="E77D3A"/>
-            </a:solidFill>
-            <a:ln w="12700" cap="flat">
-              <a:solidFill>
-                <a:srgbClr val="C3682E"/>
-              </a:solidFill>
-              <a:prstDash val="solid"/>
-              <a:miter lim="400000"/>
-            </a:ln>
-            <a:effectLst/>
+            <a:ln/>
           </p:spPr>
+          <p:style>
+            <a:lnRef idx="2">
+              <a:schemeClr val="accent1">
+                <a:shade val="50000"/>
+              </a:schemeClr>
+            </a:lnRef>
+            <a:fillRef idx="1">
+              <a:schemeClr val="accent1"/>
+            </a:fillRef>
+            <a:effectRef idx="0">
+              <a:schemeClr val="accent1"/>
+            </a:effectRef>
+            <a:fontRef idx="minor">
+              <a:schemeClr val="lt1"/>
+            </a:fontRef>
+          </p:style>
           <p:txBody>
             <a:bodyPr wrap="square" lIns="50800" tIns="50800" rIns="50800" bIns="50800" numCol="1" anchor="ctr">
               <a:noAutofit/>
@@ -4292,7 +4279,7 @@
             <a:effectLst/>
             <a:extLst>
               <a:ext uri="{C572A759-6A51-4108-AA02-DFA0A04FC94B}">
-                <ma14:wrappingTextBoxFlag xmlns:ma14="http://schemas.microsoft.com/office/mac/drawingml/2011/main" val="1"/>
+                <ma14:wrappingTextBoxFlag xmlns:ma14="http://schemas.microsoft.com/office/mac/drawingml/2011/main" xmlns="" val="1"/>
               </a:ext>
             </a:extLst>
           </p:spPr>
@@ -4321,7 +4308,84 @@
           </p:txBody>
         </p:sp>
       </p:grpSp>
+      <p:pic>
+        <p:nvPicPr>
+          <p:cNvPr id="35" name="Graphic 34">
+            <a:extLst>
+              <a:ext uri="{FF2B5EF4-FFF2-40B4-BE49-F238E27FC236}">
+                <a16:creationId xmlns:a16="http://schemas.microsoft.com/office/drawing/2014/main" id="{8CBA348C-B607-6248-A7BE-36004D07B3A9}"/>
+              </a:ext>
+            </a:extLst>
+          </p:cNvPr>
+          <p:cNvPicPr>
+            <a:picLocks noChangeAspect="1"/>
+          </p:cNvPicPr>
+          <p:nvPr/>
+        </p:nvPicPr>
+        <p:blipFill>
+          <a:blip r:embed="rId2">
+            <a:extLst>
+              <a:ext uri="{96DAC541-7B7A-43D3-8B79-37D633B846F1}">
+                <asvg:svgBlip xmlns:asvg="http://schemas.microsoft.com/office/drawing/2016/SVG/main" r:embed="rId3"/>
+              </a:ext>
+            </a:extLst>
+          </a:blip>
+          <a:stretch>
+            <a:fillRect/>
+          </a:stretch>
+        </p:blipFill>
+        <p:spPr>
+          <a:xfrm>
+            <a:off x="5752517" y="906891"/>
+            <a:ext cx="914400" cy="914400"/>
+          </a:xfrm>
+          <a:prstGeom prst="rect">
+            <a:avLst/>
+          </a:prstGeom>
+        </p:spPr>
+      </p:pic>
+      <p:pic>
+        <p:nvPicPr>
+          <p:cNvPr id="36" name="Graphic 35">
+            <a:extLst>
+              <a:ext uri="{FF2B5EF4-FFF2-40B4-BE49-F238E27FC236}">
+                <a16:creationId xmlns:a16="http://schemas.microsoft.com/office/drawing/2014/main" id="{A8123938-BDEA-BB47-AAE8-E32684A6669A}"/>
+              </a:ext>
+            </a:extLst>
+          </p:cNvPr>
+          <p:cNvPicPr>
+            <a:picLocks noChangeAspect="1"/>
+          </p:cNvPicPr>
+          <p:nvPr/>
+        </p:nvPicPr>
+        <p:blipFill>
+          <a:blip r:embed="rId4">
+            <a:extLst>
+              <a:ext uri="{96DAC541-7B7A-43D3-8B79-37D633B846F1}">
+                <asvg:svgBlip xmlns:asvg="http://schemas.microsoft.com/office/drawing/2016/SVG/main" r:embed="rId5"/>
+              </a:ext>
+            </a:extLst>
+          </a:blip>
+          <a:stretch>
+            <a:fillRect/>
+          </a:stretch>
+        </p:blipFill>
+        <p:spPr>
+          <a:xfrm>
+            <a:off x="834936" y="1162126"/>
+            <a:ext cx="1005840" cy="1005840"/>
+          </a:xfrm>
+          <a:prstGeom prst="rect">
+            <a:avLst/>
+          </a:prstGeom>
+        </p:spPr>
+      </p:pic>
     </p:spTree>
+    <p:extLst>
+      <p:ext uri="{BB962C8B-B14F-4D97-AF65-F5344CB8AC3E}">
+        <p14:creationId xmlns:p14="http://schemas.microsoft.com/office/powerpoint/2010/main" val="1636035122"/>
+      </p:ext>
+    </p:extLst>
   </p:cSld>
   <p:clrMapOvr>
     <a:masterClrMapping/>

--- a/content/designs/device_bootstrap/atlas-bootstrap.pptx
+++ b/content/designs/device_bootstrap/atlas-bootstrap.pptx
@@ -8,7 +8,7 @@
     <p:notesMasterId r:id="rId3"/>
   </p:notesMasterIdLst>
   <p:sldIdLst>
-    <p:sldId id="260" r:id="rId2"/>
+    <p:sldId id="261" r:id="rId2"/>
   </p:sldIdLst>
   <p:sldSz cx="13004800" cy="9753600"/>
   <p:notesSz cx="6858000" cy="9144000"/>
@@ -2133,7 +2133,7 @@
           </a:ln>
           <a:extLst>
             <a:ext uri="{C572A759-6A51-4108-AA02-DFA0A04FC94B}">
-              <ma14:wrappingTextBoxFlag xmlns:ma14="http://schemas.microsoft.com/office/mac/drawingml/2011/main" xmlns="" val="1"/>
+              <ma14:wrappingTextBoxFlag xmlns="" xmlns:ma14="http://schemas.microsoft.com/office/mac/drawingml/2011/main" val="1"/>
             </a:ext>
           </a:extLst>
         </p:spPr>
@@ -2172,7 +2172,7 @@
           </a:ln>
           <a:extLst>
             <a:ext uri="{C572A759-6A51-4108-AA02-DFA0A04FC94B}">
-              <ma14:wrappingTextBoxFlag xmlns:ma14="http://schemas.microsoft.com/office/mac/drawingml/2011/main" xmlns="" val="1"/>
+              <ma14:wrappingTextBoxFlag xmlns="" xmlns:ma14="http://schemas.microsoft.com/office/mac/drawingml/2011/main" val="1"/>
             </a:ext>
           </a:extLst>
         </p:spPr>
@@ -3169,7 +3169,7 @@
             <a:effectLst/>
             <a:extLst>
               <a:ext uri="{C572A759-6A51-4108-AA02-DFA0A04FC94B}">
-                <ma14:wrappingTextBoxFlag xmlns:ma14="http://schemas.microsoft.com/office/mac/drawingml/2011/main" xmlns="" val="1"/>
+                <ma14:wrappingTextBoxFlag xmlns="" xmlns:ma14="http://schemas.microsoft.com/office/mac/drawingml/2011/main" val="1"/>
               </a:ext>
             </a:extLst>
           </p:spPr>
@@ -3290,7 +3290,7 @@
           </a:ln>
           <a:extLst>
             <a:ext uri="{C572A759-6A51-4108-AA02-DFA0A04FC94B}">
-              <ma14:wrappingTextBoxFlag xmlns:ma14="http://schemas.microsoft.com/office/mac/drawingml/2011/main" xmlns="" val="1"/>
+              <ma14:wrappingTextBoxFlag xmlns="" xmlns:ma14="http://schemas.microsoft.com/office/mac/drawingml/2011/main" val="1"/>
             </a:ext>
           </a:extLst>
         </p:spPr>
@@ -3374,7 +3374,7 @@
           </a:ln>
           <a:extLst>
             <a:ext uri="{C572A759-6A51-4108-AA02-DFA0A04FC94B}">
-              <ma14:wrappingTextBoxFlag xmlns:ma14="http://schemas.microsoft.com/office/mac/drawingml/2011/main" xmlns="" val="1"/>
+              <ma14:wrappingTextBoxFlag xmlns="" xmlns:ma14="http://schemas.microsoft.com/office/mac/drawingml/2011/main" val="1"/>
             </a:ext>
           </a:extLst>
         </p:spPr>
@@ -3428,7 +3428,7 @@
           </a:ln>
           <a:extLst>
             <a:ext uri="{C572A759-6A51-4108-AA02-DFA0A04FC94B}">
-              <ma14:wrappingTextBoxFlag xmlns:ma14="http://schemas.microsoft.com/office/mac/drawingml/2011/main" xmlns="" val="1"/>
+              <ma14:wrappingTextBoxFlag xmlns="" xmlns:ma14="http://schemas.microsoft.com/office/mac/drawingml/2011/main" val="1"/>
             </a:ext>
           </a:extLst>
         </p:spPr>
@@ -3461,8 +3461,8 @@
         </p:nvSpPr>
         <p:spPr>
           <a:xfrm>
-            <a:off x="4884561" y="2247900"/>
-            <a:ext cx="1031826" cy="279401"/>
+            <a:off x="4884561" y="2243972"/>
+            <a:ext cx="1962076" cy="287258"/>
           </a:xfrm>
           <a:prstGeom prst="rect">
             <a:avLst/>
@@ -3472,7 +3472,7 @@
           </a:ln>
           <a:extLst>
             <a:ext uri="{C572A759-6A51-4108-AA02-DFA0A04FC94B}">
-              <ma14:wrappingTextBoxFlag xmlns:ma14="http://schemas.microsoft.com/office/mac/drawingml/2011/main" xmlns="" val="1"/>
+              <ma14:wrappingTextBoxFlag xmlns="" xmlns:ma14="http://schemas.microsoft.com/office/mac/drawingml/2011/main" val="1"/>
             </a:ext>
           </a:extLst>
         </p:spPr>
@@ -3492,7 +3492,16 @@
           </a:lstStyle>
           <a:p>
             <a:r>
-              <a:t>deviceID/#</a:t>
+              <a:rPr lang="en-US" dirty="0"/>
+              <a:t>namespace/</a:t>
+            </a:r>
+            <a:r>
+              <a:rPr dirty="0" err="1"/>
+              <a:t>deviceID</a:t>
+            </a:r>
+            <a:r>
+              <a:rPr dirty="0"/>
+              <a:t>/#</a:t>
             </a:r>
           </a:p>
         </p:txBody>
@@ -3555,7 +3564,7 @@
           </a:ln>
           <a:extLst>
             <a:ext uri="{C572A759-6A51-4108-AA02-DFA0A04FC94B}">
-              <ma14:wrappingTextBoxFlag xmlns:ma14="http://schemas.microsoft.com/office/mac/drawingml/2011/main" xmlns="" val="1"/>
+              <ma14:wrappingTextBoxFlag xmlns="" xmlns:ma14="http://schemas.microsoft.com/office/mac/drawingml/2011/main" val="1"/>
             </a:ext>
           </a:extLst>
         </p:spPr>
@@ -3636,7 +3645,7 @@
           </a:ln>
           <a:extLst>
             <a:ext uri="{C572A759-6A51-4108-AA02-DFA0A04FC94B}">
-              <ma14:wrappingTextBoxFlag xmlns:ma14="http://schemas.microsoft.com/office/mac/drawingml/2011/main" xmlns="" val="1"/>
+              <ma14:wrappingTextBoxFlag xmlns="" xmlns:ma14="http://schemas.microsoft.com/office/mac/drawingml/2011/main" val="1"/>
             </a:ext>
           </a:extLst>
         </p:spPr>
@@ -3711,7 +3720,7 @@
           </a:ln>
           <a:extLst>
             <a:ext uri="{C572A759-6A51-4108-AA02-DFA0A04FC94B}">
-              <ma14:wrappingTextBoxFlag xmlns:ma14="http://schemas.microsoft.com/office/mac/drawingml/2011/main" xmlns="" val="1"/>
+              <ma14:wrappingTextBoxFlag xmlns="" xmlns:ma14="http://schemas.microsoft.com/office/mac/drawingml/2011/main" val="1"/>
             </a:ext>
           </a:extLst>
         </p:spPr>
@@ -3859,7 +3868,7 @@
             <a:effectLst/>
             <a:extLst>
               <a:ext uri="{C572A759-6A51-4108-AA02-DFA0A04FC94B}">
-                <ma14:wrappingTextBoxFlag xmlns:ma14="http://schemas.microsoft.com/office/mac/drawingml/2011/main" xmlns="" val="1"/>
+                <ma14:wrappingTextBoxFlag xmlns="" xmlns:ma14="http://schemas.microsoft.com/office/mac/drawingml/2011/main" val="1"/>
               </a:ext>
             </a:extLst>
           </p:spPr>
@@ -4043,7 +4052,7 @@
             <a:effectLst/>
             <a:extLst>
               <a:ext uri="{C572A759-6A51-4108-AA02-DFA0A04FC94B}">
-                <ma14:wrappingTextBoxFlag xmlns:ma14="http://schemas.microsoft.com/office/mac/drawingml/2011/main" xmlns="" val="1"/>
+                <ma14:wrappingTextBoxFlag xmlns="" xmlns:ma14="http://schemas.microsoft.com/office/mac/drawingml/2011/main" val="1"/>
               </a:ext>
             </a:extLst>
           </p:spPr>
@@ -4161,7 +4170,7 @@
             <a:effectLst/>
             <a:extLst>
               <a:ext uri="{C572A759-6A51-4108-AA02-DFA0A04FC94B}">
-                <ma14:wrappingTextBoxFlag xmlns:ma14="http://schemas.microsoft.com/office/mac/drawingml/2011/main" xmlns="" val="1"/>
+                <ma14:wrappingTextBoxFlag xmlns="" xmlns:ma14="http://schemas.microsoft.com/office/mac/drawingml/2011/main" val="1"/>
               </a:ext>
             </a:extLst>
           </p:spPr>
@@ -4279,7 +4288,7 @@
             <a:effectLst/>
             <a:extLst>
               <a:ext uri="{C572A759-6A51-4108-AA02-DFA0A04FC94B}">
-                <ma14:wrappingTextBoxFlag xmlns:ma14="http://schemas.microsoft.com/office/mac/drawingml/2011/main" xmlns="" val="1"/>
+                <ma14:wrappingTextBoxFlag xmlns="" xmlns:ma14="http://schemas.microsoft.com/office/mac/drawingml/2011/main" val="1"/>
               </a:ext>
             </a:extLst>
           </p:spPr>
@@ -4383,7 +4392,7 @@
     </p:spTree>
     <p:extLst>
       <p:ext uri="{BB962C8B-B14F-4D97-AF65-F5344CB8AC3E}">
-        <p14:creationId xmlns:p14="http://schemas.microsoft.com/office/powerpoint/2010/main" val="1636035122"/>
+        <p14:creationId xmlns:p14="http://schemas.microsoft.com/office/powerpoint/2010/main" val="3241836289"/>
       </p:ext>
     </p:extLst>
   </p:cSld>
